--- a/r_introduction.pptx
+++ b/r_introduction.pptx
@@ -208,7 +208,7 @@
           <a:p>
             <a:fld id="{B390D88A-3D74-4A55-A4E9-DAFC7269B0FC}" type="datetimeFigureOut">
               <a:rPr lang="zh-TW" altLang="en-US" smtClean="0"/>
-              <a:t>2017/11/2</a:t>
+              <a:t>2018/1/16</a:t>
             </a:fld>
             <a:endParaRPr lang="zh-TW" altLang="en-US"/>
           </a:p>
@@ -716,7 +716,7 @@
           <a:p>
             <a:fld id="{7DED0068-F122-4076-B6B9-BB53EA6F6D79}" type="datetimeFigureOut">
               <a:rPr lang="zh-TW" altLang="en-US" smtClean="0"/>
-              <a:t>2017/11/2</a:t>
+              <a:t>2018/1/16</a:t>
             </a:fld>
             <a:endParaRPr lang="zh-TW" altLang="en-US"/>
           </a:p>
@@ -886,7 +886,7 @@
           <a:p>
             <a:fld id="{7DED0068-F122-4076-B6B9-BB53EA6F6D79}" type="datetimeFigureOut">
               <a:rPr lang="zh-TW" altLang="en-US" smtClean="0"/>
-              <a:t>2017/11/2</a:t>
+              <a:t>2018/1/16</a:t>
             </a:fld>
             <a:endParaRPr lang="zh-TW" altLang="en-US"/>
           </a:p>
@@ -1066,7 +1066,7 @@
           <a:p>
             <a:fld id="{7DED0068-F122-4076-B6B9-BB53EA6F6D79}" type="datetimeFigureOut">
               <a:rPr lang="zh-TW" altLang="en-US" smtClean="0"/>
-              <a:t>2017/11/2</a:t>
+              <a:t>2018/1/16</a:t>
             </a:fld>
             <a:endParaRPr lang="zh-TW" altLang="en-US"/>
           </a:p>
@@ -1236,7 +1236,7 @@
           <a:p>
             <a:fld id="{7DED0068-F122-4076-B6B9-BB53EA6F6D79}" type="datetimeFigureOut">
               <a:rPr lang="zh-TW" altLang="en-US" smtClean="0"/>
-              <a:t>2017/11/2</a:t>
+              <a:t>2018/1/16</a:t>
             </a:fld>
             <a:endParaRPr lang="zh-TW" altLang="en-US"/>
           </a:p>
@@ -1482,7 +1482,7 @@
           <a:p>
             <a:fld id="{7DED0068-F122-4076-B6B9-BB53EA6F6D79}" type="datetimeFigureOut">
               <a:rPr lang="zh-TW" altLang="en-US" smtClean="0"/>
-              <a:t>2017/11/2</a:t>
+              <a:t>2018/1/16</a:t>
             </a:fld>
             <a:endParaRPr lang="zh-TW" altLang="en-US"/>
           </a:p>
@@ -1714,7 +1714,7 @@
           <a:p>
             <a:fld id="{7DED0068-F122-4076-B6B9-BB53EA6F6D79}" type="datetimeFigureOut">
               <a:rPr lang="zh-TW" altLang="en-US" smtClean="0"/>
-              <a:t>2017/11/2</a:t>
+              <a:t>2018/1/16</a:t>
             </a:fld>
             <a:endParaRPr lang="zh-TW" altLang="en-US"/>
           </a:p>
@@ -2081,7 +2081,7 @@
           <a:p>
             <a:fld id="{7DED0068-F122-4076-B6B9-BB53EA6F6D79}" type="datetimeFigureOut">
               <a:rPr lang="zh-TW" altLang="en-US" smtClean="0"/>
-              <a:t>2017/11/2</a:t>
+              <a:t>2018/1/16</a:t>
             </a:fld>
             <a:endParaRPr lang="zh-TW" altLang="en-US"/>
           </a:p>
@@ -2199,7 +2199,7 @@
           <a:p>
             <a:fld id="{7DED0068-F122-4076-B6B9-BB53EA6F6D79}" type="datetimeFigureOut">
               <a:rPr lang="zh-TW" altLang="en-US" smtClean="0"/>
-              <a:t>2017/11/2</a:t>
+              <a:t>2018/1/16</a:t>
             </a:fld>
             <a:endParaRPr lang="zh-TW" altLang="en-US"/>
           </a:p>
@@ -2294,7 +2294,7 @@
           <a:p>
             <a:fld id="{7DED0068-F122-4076-B6B9-BB53EA6F6D79}" type="datetimeFigureOut">
               <a:rPr lang="zh-TW" altLang="en-US" smtClean="0"/>
-              <a:t>2017/11/2</a:t>
+              <a:t>2018/1/16</a:t>
             </a:fld>
             <a:endParaRPr lang="zh-TW" altLang="en-US"/>
           </a:p>
@@ -2571,7 +2571,7 @@
           <a:p>
             <a:fld id="{7DED0068-F122-4076-B6B9-BB53EA6F6D79}" type="datetimeFigureOut">
               <a:rPr lang="zh-TW" altLang="en-US" smtClean="0"/>
-              <a:t>2017/11/2</a:t>
+              <a:t>2018/1/16</a:t>
             </a:fld>
             <a:endParaRPr lang="zh-TW" altLang="en-US"/>
           </a:p>
@@ -2824,7 +2824,7 @@
           <a:p>
             <a:fld id="{7DED0068-F122-4076-B6B9-BB53EA6F6D79}" type="datetimeFigureOut">
               <a:rPr lang="zh-TW" altLang="en-US" smtClean="0"/>
-              <a:t>2017/11/2</a:t>
+              <a:t>2018/1/16</a:t>
             </a:fld>
             <a:endParaRPr lang="zh-TW" altLang="en-US"/>
           </a:p>
@@ -3037,7 +3037,7 @@
           <a:p>
             <a:fld id="{7DED0068-F122-4076-B6B9-BB53EA6F6D79}" type="datetimeFigureOut">
               <a:rPr lang="zh-TW" altLang="en-US" smtClean="0"/>
-              <a:t>2017/11/2</a:t>
+              <a:t>2018/1/16</a:t>
             </a:fld>
             <a:endParaRPr lang="zh-TW" altLang="en-US"/>
           </a:p>
@@ -3483,18 +3483,6 @@
               <a:latin typeface="+mn-ea"/>
             </a:endParaRPr>
           </a:p>
-          <a:p>
-            <a:pPr algn="l"/>
-            <a:r>
-              <a:rPr lang="zh-TW" altLang="en-US" sz="3600" dirty="0" smtClean="0">
-                <a:latin typeface="+mn-ea"/>
-              </a:rPr>
-              <a:t>台北醫學大學  生物統計研究中心</a:t>
-            </a:r>
-            <a:endParaRPr lang="zh-TW" altLang="en-US" sz="3600" dirty="0">
-              <a:latin typeface="+mn-ea"/>
-            </a:endParaRPr>
-          </a:p>
         </p:txBody>
       </p:sp>
       <p:pic>
@@ -3519,8 +3507,8 @@
         </p:blipFill>
         <p:spPr>
           <a:xfrm>
-            <a:off x="5295900" y="1231570"/>
-            <a:ext cx="6896100" cy="5343525"/>
+            <a:off x="5501034" y="453965"/>
+            <a:ext cx="6567874" cy="5089195"/>
           </a:xfrm>
           <a:prstGeom prst="rect">
             <a:avLst/>
@@ -3582,14 +3570,70 @@
               </a:rPr>
               <a:t>簡介</a:t>
             </a:r>
-            <a:endParaRPr lang="zh-TW" altLang="en-US" sz="7200" b="1" dirty="0">
-              <a:solidFill>
-                <a:schemeClr val="accent1"/>
-              </a:solidFill>
-              <a:latin typeface="微軟正黑體" panose="020B0604030504040204" pitchFamily="34" charset="-120"/>
-              <a:ea typeface="微軟正黑體" panose="020B0604030504040204" pitchFamily="34" charset="-120"/>
-              <a:cs typeface="Segoe UI Black" panose="020B0A02040204020203" pitchFamily="34" charset="0"/>
-            </a:endParaRPr>
+          </a:p>
+        </p:txBody>
+      </p:sp>
+      <p:pic>
+        <p:nvPicPr>
+          <p:cNvPr id="2" name="圖片 1"/>
+          <p:cNvPicPr>
+            <a:picLocks noChangeAspect="1"/>
+          </p:cNvPicPr>
+          <p:nvPr/>
+        </p:nvPicPr>
+        <p:blipFill>
+          <a:blip r:embed="rId3" cstate="print">
+            <a:extLst>
+              <a:ext uri="{28A0092B-C50C-407E-A947-70E740481C1C}">
+                <a14:useLocalDpi xmlns:a14="http://schemas.microsoft.com/office/drawing/2010/main" val="0"/>
+              </a:ext>
+            </a:extLst>
+          </a:blip>
+          <a:stretch>
+            <a:fillRect/>
+          </a:stretch>
+        </p:blipFill>
+        <p:spPr>
+          <a:xfrm>
+            <a:off x="8690708" y="6066692"/>
+            <a:ext cx="3378200" cy="674108"/>
+          </a:xfrm>
+          <a:prstGeom prst="rect">
+            <a:avLst/>
+          </a:prstGeom>
+        </p:spPr>
+      </p:pic>
+      <p:sp>
+        <p:nvSpPr>
+          <p:cNvPr id="8" name="文本框 693"/>
+          <p:cNvSpPr txBox="1"/>
+          <p:nvPr/>
+        </p:nvSpPr>
+        <p:spPr>
+          <a:xfrm>
+            <a:off x="0" y="5924654"/>
+            <a:ext cx="5227144" cy="400110"/>
+          </a:xfrm>
+          <a:prstGeom prst="rect">
+            <a:avLst/>
+          </a:prstGeom>
+          <a:noFill/>
+        </p:spPr>
+        <p:txBody>
+          <a:bodyPr wrap="square" rtlCol="0">
+            <a:spAutoFit/>
+          </a:bodyPr>
+          <a:lstStyle/>
+          <a:p>
+            <a:r>
+              <a:rPr kumimoji="1" lang="zh-TW" altLang="en-US" sz="2000" dirty="0" smtClean="0"/>
+              <a:t>生物統計研究中心  副分析</a:t>
+            </a:r>
+            <a:r>
+              <a:rPr kumimoji="1" lang="zh-TW" altLang="en-US" sz="2000" dirty="0"/>
+              <a:t>師</a:t>
+            </a:r>
+            <a:endParaRPr kumimoji="1" lang="zh-CN" altLang="en-US" sz="2000" dirty="0"/>
           </a:p>
         </p:txBody>
       </p:sp>
@@ -4467,6 +4511,13 @@
   <p:clrMapOvr>
     <a:masterClrMapping/>
   </p:clrMapOvr>
+  <p:timing>
+    <p:tnLst>
+      <p:par>
+        <p:cTn id="1" dur="indefinite" restart="never" nodeType="tmRoot"/>
+      </p:par>
+    </p:tnLst>
+  </p:timing>
 </p:sld>
 </file>
 
@@ -4741,6 +4792,36 @@
           </a:p>
         </p:txBody>
       </p:sp>
+      <p:pic>
+        <p:nvPicPr>
+          <p:cNvPr id="6" name="圖片 5"/>
+          <p:cNvPicPr>
+            <a:picLocks noChangeAspect="1"/>
+          </p:cNvPicPr>
+          <p:nvPr/>
+        </p:nvPicPr>
+        <p:blipFill>
+          <a:blip r:embed="rId3" cstate="print">
+            <a:extLst>
+              <a:ext uri="{28A0092B-C50C-407E-A947-70E740481C1C}">
+                <a14:useLocalDpi xmlns:a14="http://schemas.microsoft.com/office/drawing/2010/main" val="0"/>
+              </a:ext>
+            </a:extLst>
+          </a:blip>
+          <a:stretch>
+            <a:fillRect/>
+          </a:stretch>
+        </p:blipFill>
+        <p:spPr>
+          <a:xfrm>
+            <a:off x="8690708" y="6066692"/>
+            <a:ext cx="3378200" cy="674108"/>
+          </a:xfrm>
+          <a:prstGeom prst="rect">
+            <a:avLst/>
+          </a:prstGeom>
+        </p:spPr>
+      </p:pic>
     </p:spTree>
     <p:extLst>
       <p:ext uri="{BB962C8B-B14F-4D97-AF65-F5344CB8AC3E}">
@@ -4820,66 +4901,6 @@
           </a:p>
         </p:txBody>
       </p:sp>
-      <p:pic>
-        <p:nvPicPr>
-          <p:cNvPr id="4" name="圖片 3"/>
-          <p:cNvPicPr>
-            <a:picLocks noChangeAspect="1"/>
-          </p:cNvPicPr>
-          <p:nvPr/>
-        </p:nvPicPr>
-        <p:blipFill>
-          <a:blip r:embed="rId2" cstate="print">
-            <a:extLst>
-              <a:ext uri="{28A0092B-C50C-407E-A947-70E740481C1C}">
-                <a14:useLocalDpi xmlns:a14="http://schemas.microsoft.com/office/drawing/2010/main" val="0"/>
-              </a:ext>
-            </a:extLst>
-          </a:blip>
-          <a:stretch>
-            <a:fillRect/>
-          </a:stretch>
-        </p:blipFill>
-        <p:spPr>
-          <a:xfrm>
-            <a:off x="407406" y="1301595"/>
-            <a:ext cx="3784348" cy="3071230"/>
-          </a:xfrm>
-          <a:prstGeom prst="rect">
-            <a:avLst/>
-          </a:prstGeom>
-        </p:spPr>
-      </p:pic>
-      <p:pic>
-        <p:nvPicPr>
-          <p:cNvPr id="5" name="圖片 4"/>
-          <p:cNvPicPr>
-            <a:picLocks noChangeAspect="1"/>
-          </p:cNvPicPr>
-          <p:nvPr/>
-        </p:nvPicPr>
-        <p:blipFill>
-          <a:blip r:embed="rId3" cstate="print">
-            <a:extLst>
-              <a:ext uri="{28A0092B-C50C-407E-A947-70E740481C1C}">
-                <a14:useLocalDpi xmlns:a14="http://schemas.microsoft.com/office/drawing/2010/main" val="0"/>
-              </a:ext>
-            </a:extLst>
-          </a:blip>
-          <a:stretch>
-            <a:fillRect/>
-          </a:stretch>
-        </p:blipFill>
-        <p:spPr>
-          <a:xfrm>
-            <a:off x="4914181" y="1299491"/>
-            <a:ext cx="3293539" cy="3071230"/>
-          </a:xfrm>
-          <a:prstGeom prst="rect">
-            <a:avLst/>
-          </a:prstGeom>
-        </p:spPr>
-      </p:pic>
       <p:sp>
         <p:nvSpPr>
           <p:cNvPr id="6" name="向右箭號 5"/>
@@ -4920,48 +4941,18 @@
           </a:p>
         </p:txBody>
       </p:sp>
-      <p:pic>
-        <p:nvPicPr>
-          <p:cNvPr id="7" name="圖片 6"/>
-          <p:cNvPicPr>
-            <a:picLocks noChangeAspect="1"/>
-          </p:cNvPicPr>
-          <p:nvPr/>
-        </p:nvPicPr>
-        <p:blipFill>
-          <a:blip r:embed="rId4" cstate="print">
-            <a:extLst>
-              <a:ext uri="{28A0092B-C50C-407E-A947-70E740481C1C}">
-                <a14:useLocalDpi xmlns:a14="http://schemas.microsoft.com/office/drawing/2010/main" val="0"/>
-              </a:ext>
-            </a:extLst>
-          </a:blip>
-          <a:stretch>
-            <a:fillRect/>
-          </a:stretch>
-        </p:blipFill>
-        <p:spPr>
-          <a:xfrm>
-            <a:off x="8930147" y="1167141"/>
-            <a:ext cx="3455406" cy="3335929"/>
-          </a:xfrm>
-          <a:prstGeom prst="rect">
-            <a:avLst/>
-          </a:prstGeom>
-        </p:spPr>
-      </p:pic>
-      <p:sp>
-        <p:nvSpPr>
-          <p:cNvPr id="8" name="向右箭號 7"/>
+      <p:sp>
+        <p:nvSpPr>
+          <p:cNvPr id="11" name="向下箭號 10"/>
           <p:cNvSpPr/>
           <p:nvPr/>
         </p:nvSpPr>
         <p:spPr>
           <a:xfrm>
-            <a:off x="8207720" y="2408222"/>
-            <a:ext cx="528874" cy="615635"/>
-          </a:xfrm>
-          <a:prstGeom prst="rightArrow">
+            <a:off x="9768689" y="3853016"/>
+            <a:ext cx="624689" cy="728150"/>
+          </a:xfrm>
+          <a:prstGeom prst="downArrow">
             <a:avLst/>
           </a:prstGeom>
         </p:spPr>
@@ -4992,14 +4983,14 @@
       </p:sp>
       <p:pic>
         <p:nvPicPr>
-          <p:cNvPr id="9" name="圖片 8"/>
+          <p:cNvPr id="10" name="圖片 9"/>
           <p:cNvPicPr>
             <a:picLocks noChangeAspect="1"/>
           </p:cNvPicPr>
           <p:nvPr/>
         </p:nvPicPr>
         <p:blipFill>
-          <a:blip r:embed="rId5" cstate="print">
+          <a:blip r:embed="rId2">
             <a:extLst>
               <a:ext uri="{28A0092B-C50C-407E-A947-70E740481C1C}">
                 <a14:useLocalDpi xmlns:a14="http://schemas.microsoft.com/office/drawing/2010/main" val="0"/>
@@ -5012,26 +5003,86 @@
         </p:blipFill>
         <p:spPr>
           <a:xfrm>
-            <a:off x="6372543" y="5098871"/>
-            <a:ext cx="5115208" cy="2723322"/>
+            <a:off x="240632" y="994515"/>
+            <a:ext cx="3208421" cy="3026590"/>
           </a:xfrm>
           <a:prstGeom prst="rect">
             <a:avLst/>
           </a:prstGeom>
         </p:spPr>
       </p:pic>
-      <p:sp>
-        <p:nvSpPr>
-          <p:cNvPr id="11" name="向下箭號 10"/>
+      <p:pic>
+        <p:nvPicPr>
+          <p:cNvPr id="16" name="圖片 15"/>
+          <p:cNvPicPr>
+            <a:picLocks noChangeAspect="1"/>
+          </p:cNvPicPr>
+          <p:nvPr/>
+        </p:nvPicPr>
+        <p:blipFill>
+          <a:blip r:embed="rId3">
+            <a:extLst>
+              <a:ext uri="{28A0092B-C50C-407E-A947-70E740481C1C}">
+                <a14:useLocalDpi xmlns:a14="http://schemas.microsoft.com/office/drawing/2010/main" val="0"/>
+              </a:ext>
+            </a:extLst>
+          </a:blip>
+          <a:stretch>
+            <a:fillRect/>
+          </a:stretch>
+        </p:blipFill>
+        <p:spPr>
+          <a:xfrm>
+            <a:off x="8500409" y="1678869"/>
+            <a:ext cx="4314041" cy="2029211"/>
+          </a:xfrm>
+          <a:prstGeom prst="rect">
+            <a:avLst/>
+          </a:prstGeom>
+        </p:spPr>
+      </p:pic>
+      <p:pic>
+        <p:nvPicPr>
+          <p:cNvPr id="15" name="圖片 14"/>
+          <p:cNvPicPr>
+            <a:picLocks noChangeAspect="1"/>
+          </p:cNvPicPr>
+          <p:nvPr/>
+        </p:nvPicPr>
+        <p:blipFill>
+          <a:blip r:embed="rId4">
+            <a:extLst>
+              <a:ext uri="{28A0092B-C50C-407E-A947-70E740481C1C}">
+                <a14:useLocalDpi xmlns:a14="http://schemas.microsoft.com/office/drawing/2010/main" val="0"/>
+              </a:ext>
+            </a:extLst>
+          </a:blip>
+          <a:stretch>
+            <a:fillRect/>
+          </a:stretch>
+        </p:blipFill>
+        <p:spPr>
+          <a:xfrm>
+            <a:off x="4622548" y="2042539"/>
+            <a:ext cx="3654017" cy="1091370"/>
+          </a:xfrm>
+          <a:prstGeom prst="rect">
+            <a:avLst/>
+          </a:prstGeom>
+        </p:spPr>
+      </p:pic>
+      <p:sp>
+        <p:nvSpPr>
+          <p:cNvPr id="8" name="向右箭號 7"/>
           <p:cNvSpPr/>
           <p:nvPr/>
         </p:nvSpPr>
         <p:spPr>
           <a:xfrm>
-            <a:off x="9768689" y="4370721"/>
-            <a:ext cx="624689" cy="728150"/>
-          </a:xfrm>
-          <a:prstGeom prst="downArrow">
+            <a:off x="7698403" y="2385658"/>
+            <a:ext cx="755786" cy="615635"/>
+          </a:xfrm>
+          <a:prstGeom prst="rightArrow">
             <a:avLst/>
           </a:prstGeom>
         </p:spPr>
@@ -5062,14 +5113,14 @@
       </p:sp>
       <p:pic>
         <p:nvPicPr>
-          <p:cNvPr id="12" name="圖片 11"/>
+          <p:cNvPr id="17" name="圖片 16"/>
           <p:cNvPicPr>
             <a:picLocks noChangeAspect="1"/>
           </p:cNvPicPr>
           <p:nvPr/>
         </p:nvPicPr>
         <p:blipFill>
-          <a:blip r:embed="rId6" cstate="print">
+          <a:blip r:embed="rId5">
             <a:extLst>
               <a:ext uri="{28A0092B-C50C-407E-A947-70E740481C1C}">
                 <a14:useLocalDpi xmlns:a14="http://schemas.microsoft.com/office/drawing/2010/main" val="0"/>
@@ -5082,14 +5133,44 @@
         </p:blipFill>
         <p:spPr>
           <a:xfrm>
-            <a:off x="527983" y="5046320"/>
-            <a:ext cx="4146487" cy="2180188"/>
+            <a:off x="6238981" y="4581166"/>
+            <a:ext cx="7623643" cy="1892317"/>
           </a:xfrm>
           <a:prstGeom prst="rect">
             <a:avLst/>
           </a:prstGeom>
         </p:spPr>
       </p:pic>
+      <p:pic>
+        <p:nvPicPr>
+          <p:cNvPr id="18" name="圖片 17"/>
+          <p:cNvPicPr>
+            <a:picLocks noChangeAspect="1"/>
+          </p:cNvPicPr>
+          <p:nvPr/>
+        </p:nvPicPr>
+        <p:blipFill>
+          <a:blip r:embed="rId6">
+            <a:extLst>
+              <a:ext uri="{28A0092B-C50C-407E-A947-70E740481C1C}">
+                <a14:useLocalDpi xmlns:a14="http://schemas.microsoft.com/office/drawing/2010/main" val="0"/>
+              </a:ext>
+            </a:extLst>
+          </a:blip>
+          <a:stretch>
+            <a:fillRect/>
+          </a:stretch>
+        </p:blipFill>
+        <p:spPr>
+          <a:xfrm>
+            <a:off x="201840" y="5165558"/>
+            <a:ext cx="5333183" cy="924923"/>
+          </a:xfrm>
+          <a:prstGeom prst="rect">
+            <a:avLst/>
+          </a:prstGeom>
+        </p:spPr>
+      </p:pic>
       <p:sp>
         <p:nvSpPr>
           <p:cNvPr id="13" name="向右箭號 12"/>
@@ -5098,7 +5179,7 @@
         </p:nvSpPr>
         <p:spPr>
           <a:xfrm rot="10800000">
-            <a:off x="4843604" y="5848539"/>
+            <a:off x="4942231" y="5221327"/>
             <a:ext cx="1153769" cy="611993"/>
           </a:xfrm>
           <a:prstGeom prst="rightArrow">
@@ -5531,6 +5612,13 @@
   <p:clrMapOvr>
     <a:masterClrMapping/>
   </p:clrMapOvr>
+  <p:timing>
+    <p:tnLst>
+      <p:par>
+        <p:cTn id="1" dur="indefinite" restart="never" nodeType="tmRoot"/>
+      </p:par>
+    </p:tnLst>
+  </p:timing>
 </p:sld>
 </file>
 
